--- a/Data Mining_Final Project_Hospital Rating_FINAL.pptx
+++ b/Data Mining_Final Project_Hospital Rating_FINAL.pptx
@@ -299,748 +299,6 @@
     <p1510:client id="{E317B905-709D-4408-81B9-311D652082D3}" v="143" dt="2019-05-27T22:40:52.748"/>
   </p1510:revLst>
 </p1510:revInfo>
-</file>
-
-<file path=ppt/changesInfos/changesInfo1.xml><?xml version="1.0" encoding="utf-8"?>
-<pc:chgInfo xmlns:a="http://schemas.openxmlformats.org/drawingml/2006/main" xmlns:r="http://schemas.openxmlformats.org/officeDocument/2006/relationships" xmlns:ac="http://schemas.microsoft.com/office/drawing/2013/main/command" xmlns:pc="http://schemas.microsoft.com/office/powerpoint/2013/main/command">
-  <pc:docChgLst>
-    <pc:chgData name="Zain Jafri" userId="9fa31bb16907f007" providerId="LiveId" clId="{E317B905-709D-4408-81B9-311D652082D3}"/>
-    <pc:docChg chg="undo redo custSel addSld delSld modSld sldOrd modMainMaster">
-      <pc:chgData name="Zain Jafri" userId="9fa31bb16907f007" providerId="LiveId" clId="{E317B905-709D-4408-81B9-311D652082D3}" dt="2019-05-27T22:45:29.790" v="4499" actId="1589"/>
-      <pc:docMkLst>
-        <pc:docMk/>
-      </pc:docMkLst>
-      <pc:sldChg chg="modSp">
-        <pc:chgData name="Zain Jafri" userId="9fa31bb16907f007" providerId="LiveId" clId="{E317B905-709D-4408-81B9-311D652082D3}" dt="2019-05-25T20:20:09.198" v="242" actId="255"/>
-        <pc:sldMkLst>
-          <pc:docMk/>
-          <pc:sldMk cId="0" sldId="256"/>
-        </pc:sldMkLst>
-        <pc:spChg chg="mod">
-          <ac:chgData name="Zain Jafri" userId="9fa31bb16907f007" providerId="LiveId" clId="{E317B905-709D-4408-81B9-311D652082D3}" dt="2019-05-25T20:20:09.198" v="242" actId="255"/>
-          <ac:spMkLst>
-            <pc:docMk/>
-            <pc:sldMk cId="0" sldId="256"/>
-            <ac:spMk id="59" creationId="{00000000-0000-0000-0000-000000000000}"/>
-          </ac:spMkLst>
-        </pc:spChg>
-        <pc:spChg chg="mod">
-          <ac:chgData name="Zain Jafri" userId="9fa31bb16907f007" providerId="LiveId" clId="{E317B905-709D-4408-81B9-311D652082D3}" dt="2019-05-25T20:19:47.595" v="186" actId="20577"/>
-          <ac:spMkLst>
-            <pc:docMk/>
-            <pc:sldMk cId="0" sldId="256"/>
-            <ac:spMk id="60" creationId="{00000000-0000-0000-0000-000000000000}"/>
-          </ac:spMkLst>
-        </pc:spChg>
-      </pc:sldChg>
-      <pc:sldChg chg="modSp setBg addCm modCm">
-        <pc:chgData name="Zain Jafri" userId="9fa31bb16907f007" providerId="LiveId" clId="{E317B905-709D-4408-81B9-311D652082D3}" dt="2019-05-26T16:21:33.759" v="4494" actId="20577"/>
-        <pc:sldMkLst>
-          <pc:docMk/>
-          <pc:sldMk cId="0" sldId="257"/>
-        </pc:sldMkLst>
-        <pc:spChg chg="mod">
-          <ac:chgData name="Zain Jafri" userId="9fa31bb16907f007" providerId="LiveId" clId="{E317B905-709D-4408-81B9-311D652082D3}" dt="2019-05-26T16:21:33.759" v="4494" actId="20577"/>
-          <ac:spMkLst>
-            <pc:docMk/>
-            <pc:sldMk cId="0" sldId="257"/>
-            <ac:spMk id="100" creationId="{00000000-0000-0000-0000-000000000000}"/>
-          </ac:spMkLst>
-        </pc:spChg>
-      </pc:sldChg>
-      <pc:sldChg chg="del">
-        <pc:chgData name="Zain Jafri" userId="9fa31bb16907f007" providerId="LiveId" clId="{E317B905-709D-4408-81B9-311D652082D3}" dt="2019-05-26T16:04:15.636" v="3344" actId="2696"/>
-        <pc:sldMkLst>
-          <pc:docMk/>
-          <pc:sldMk cId="0" sldId="259"/>
-        </pc:sldMkLst>
-      </pc:sldChg>
-      <pc:sldChg chg="del">
-        <pc:chgData name="Zain Jafri" userId="9fa31bb16907f007" providerId="LiveId" clId="{E317B905-709D-4408-81B9-311D652082D3}" dt="2019-05-26T16:04:17.307" v="3345" actId="2696"/>
-        <pc:sldMkLst>
-          <pc:docMk/>
-          <pc:sldMk cId="0" sldId="260"/>
-        </pc:sldMkLst>
-      </pc:sldChg>
-      <pc:sldChg chg="del">
-        <pc:chgData name="Zain Jafri" userId="9fa31bb16907f007" providerId="LiveId" clId="{E317B905-709D-4408-81B9-311D652082D3}" dt="2019-05-26T16:04:20.390" v="3346" actId="2696"/>
-        <pc:sldMkLst>
-          <pc:docMk/>
-          <pc:sldMk cId="0" sldId="261"/>
-        </pc:sldMkLst>
-      </pc:sldChg>
-      <pc:sldChg chg="del">
-        <pc:chgData name="Zain Jafri" userId="9fa31bb16907f007" providerId="LiveId" clId="{E317B905-709D-4408-81B9-311D652082D3}" dt="2019-05-26T16:03:51.083" v="3342" actId="2696"/>
-        <pc:sldMkLst>
-          <pc:docMk/>
-          <pc:sldMk cId="832710438" sldId="263"/>
-        </pc:sldMkLst>
-        <pc:spChg chg="del">
-          <ac:chgData name="Zain Jafri" userId="9fa31bb16907f007" providerId="LiveId" clId="{E317B905-709D-4408-81B9-311D652082D3}" dt="2019-05-25T20:39:27.840" v="2143" actId="478"/>
-          <ac:spMkLst>
-            <pc:docMk/>
-            <pc:sldMk cId="832710438" sldId="263"/>
-            <ac:spMk id="180" creationId="{00000000-0000-0000-0000-000000000000}"/>
-          </ac:spMkLst>
-        </pc:spChg>
-      </pc:sldChg>
-      <pc:sldChg chg="del">
-        <pc:chgData name="Zain Jafri" userId="9fa31bb16907f007" providerId="LiveId" clId="{E317B905-709D-4408-81B9-311D652082D3}" dt="2019-05-26T16:03:54.191" v="3343" actId="2696"/>
-        <pc:sldMkLst>
-          <pc:docMk/>
-          <pc:sldMk cId="3559187109" sldId="264"/>
-        </pc:sldMkLst>
-        <pc:spChg chg="del">
-          <ac:chgData name="Zain Jafri" userId="9fa31bb16907f007" providerId="LiveId" clId="{E317B905-709D-4408-81B9-311D652082D3}" dt="2019-05-25T20:39:24.838" v="2142" actId="478"/>
-          <ac:spMkLst>
-            <pc:docMk/>
-            <pc:sldMk cId="3559187109" sldId="264"/>
-            <ac:spMk id="189" creationId="{00000000-0000-0000-0000-000000000000}"/>
-          </ac:spMkLst>
-        </pc:spChg>
-      </pc:sldChg>
-      <pc:sldChg chg="del">
-        <pc:chgData name="Zain Jafri" userId="9fa31bb16907f007" providerId="LiveId" clId="{E317B905-709D-4408-81B9-311D652082D3}" dt="2019-05-26T16:04:21.658" v="3347" actId="2696"/>
-        <pc:sldMkLst>
-          <pc:docMk/>
-          <pc:sldMk cId="0" sldId="265"/>
-        </pc:sldMkLst>
-      </pc:sldChg>
-      <pc:sldChg chg="del">
-        <pc:chgData name="Zain Jafri" userId="9fa31bb16907f007" providerId="LiveId" clId="{E317B905-709D-4408-81B9-311D652082D3}" dt="2019-05-26T16:04:22.617" v="3348" actId="2696"/>
-        <pc:sldMkLst>
-          <pc:docMk/>
-          <pc:sldMk cId="0" sldId="266"/>
-        </pc:sldMkLst>
-      </pc:sldChg>
-      <pc:sldChg chg="del">
-        <pc:chgData name="Zain Jafri" userId="9fa31bb16907f007" providerId="LiveId" clId="{E317B905-709D-4408-81B9-311D652082D3}" dt="2019-05-26T16:04:23.473" v="3349" actId="2696"/>
-        <pc:sldMkLst>
-          <pc:docMk/>
-          <pc:sldMk cId="0" sldId="267"/>
-        </pc:sldMkLst>
-      </pc:sldChg>
-      <pc:sldChg chg="del">
-        <pc:chgData name="Zain Jafri" userId="9fa31bb16907f007" providerId="LiveId" clId="{E317B905-709D-4408-81B9-311D652082D3}" dt="2019-05-26T16:04:24.675" v="3350" actId="2696"/>
-        <pc:sldMkLst>
-          <pc:docMk/>
-          <pc:sldMk cId="0" sldId="268"/>
-        </pc:sldMkLst>
-      </pc:sldChg>
-      <pc:sldChg chg="del">
-        <pc:chgData name="Zain Jafri" userId="9fa31bb16907f007" providerId="LiveId" clId="{E317B905-709D-4408-81B9-311D652082D3}" dt="2019-05-26T16:04:25.295" v="3351" actId="2696"/>
-        <pc:sldMkLst>
-          <pc:docMk/>
-          <pc:sldMk cId="0" sldId="269"/>
-        </pc:sldMkLst>
-      </pc:sldChg>
-      <pc:sldChg chg="del">
-        <pc:chgData name="Zain Jafri" userId="9fa31bb16907f007" providerId="LiveId" clId="{E317B905-709D-4408-81B9-311D652082D3}" dt="2019-05-26T16:04:26.125" v="3352" actId="2696"/>
-        <pc:sldMkLst>
-          <pc:docMk/>
-          <pc:sldMk cId="0" sldId="270"/>
-        </pc:sldMkLst>
-      </pc:sldChg>
-      <pc:sldChg chg="del">
-        <pc:chgData name="Zain Jafri" userId="9fa31bb16907f007" providerId="LiveId" clId="{E317B905-709D-4408-81B9-311D652082D3}" dt="2019-05-26T16:04:26.930" v="3353" actId="2696"/>
-        <pc:sldMkLst>
-          <pc:docMk/>
-          <pc:sldMk cId="0" sldId="271"/>
-        </pc:sldMkLst>
-      </pc:sldChg>
-      <pc:sldChg chg="del">
-        <pc:chgData name="Zain Jafri" userId="9fa31bb16907f007" providerId="LiveId" clId="{E317B905-709D-4408-81B9-311D652082D3}" dt="2019-05-26T16:06:43.605" v="3747" actId="2696"/>
-        <pc:sldMkLst>
-          <pc:docMk/>
-          <pc:sldMk cId="0" sldId="272"/>
-        </pc:sldMkLst>
-      </pc:sldChg>
-      <pc:sldChg chg="del">
-        <pc:chgData name="Zain Jafri" userId="9fa31bb16907f007" providerId="LiveId" clId="{E317B905-709D-4408-81B9-311D652082D3}" dt="2019-05-26T16:06:44.241" v="3748" actId="2696"/>
-        <pc:sldMkLst>
-          <pc:docMk/>
-          <pc:sldMk cId="0" sldId="273"/>
-        </pc:sldMkLst>
-      </pc:sldChg>
-      <pc:sldChg chg="delSp modSp ord setBg">
-        <pc:chgData name="Zain Jafri" userId="9fa31bb16907f007" providerId="LiveId" clId="{E317B905-709D-4408-81B9-311D652082D3}" dt="2019-05-26T16:08:11.409" v="3815" actId="478"/>
-        <pc:sldMkLst>
-          <pc:docMk/>
-          <pc:sldMk cId="0" sldId="274"/>
-        </pc:sldMkLst>
-        <pc:spChg chg="mod">
-          <ac:chgData name="Zain Jafri" userId="9fa31bb16907f007" providerId="LiveId" clId="{E317B905-709D-4408-81B9-311D652082D3}" dt="2019-05-26T16:06:54.709" v="3750" actId="20577"/>
-          <ac:spMkLst>
-            <pc:docMk/>
-            <pc:sldMk cId="0" sldId="274"/>
-            <ac:spMk id="336" creationId="{00000000-0000-0000-0000-000000000000}"/>
-          </ac:spMkLst>
-        </pc:spChg>
-        <pc:spChg chg="del">
-          <ac:chgData name="Zain Jafri" userId="9fa31bb16907f007" providerId="LiveId" clId="{E317B905-709D-4408-81B9-311D652082D3}" dt="2019-05-26T16:08:11.409" v="3815" actId="478"/>
-          <ac:spMkLst>
-            <pc:docMk/>
-            <pc:sldMk cId="0" sldId="274"/>
-            <ac:spMk id="338" creationId="{00000000-0000-0000-0000-000000000000}"/>
-          </ac:spMkLst>
-        </pc:spChg>
-        <pc:spChg chg="mod">
-          <ac:chgData name="Zain Jafri" userId="9fa31bb16907f007" providerId="LiveId" clId="{E317B905-709D-4408-81B9-311D652082D3}" dt="2019-05-26T16:07:14.883" v="3804" actId="20577"/>
-          <ac:spMkLst>
-            <pc:docMk/>
-            <pc:sldMk cId="0" sldId="274"/>
-            <ac:spMk id="339" creationId="{00000000-0000-0000-0000-000000000000}"/>
-          </ac:spMkLst>
-        </pc:spChg>
-      </pc:sldChg>
-      <pc:sldChg chg="addSp delSp modSp add del setBg addCm modCm">
-        <pc:chgData name="Zain Jafri" userId="9fa31bb16907f007" providerId="LiveId" clId="{E317B905-709D-4408-81B9-311D652082D3}" dt="2019-05-26T16:16:16.015" v="4306"/>
-        <pc:sldMkLst>
-          <pc:docMk/>
-          <pc:sldMk cId="3064862597" sldId="275"/>
-        </pc:sldMkLst>
-        <pc:spChg chg="add mod">
-          <ac:chgData name="Zain Jafri" userId="9fa31bb16907f007" providerId="LiveId" clId="{E317B905-709D-4408-81B9-311D652082D3}" dt="2019-05-25T20:33:02.546" v="1995" actId="1035"/>
-          <ac:spMkLst>
-            <pc:docMk/>
-            <pc:sldMk cId="3064862597" sldId="275"/>
-            <ac:spMk id="3" creationId="{E57D5AA8-7274-4426-8237-11D7B2C3A873}"/>
-          </ac:spMkLst>
-        </pc:spChg>
-        <pc:spChg chg="mod">
-          <ac:chgData name="Zain Jafri" userId="9fa31bb16907f007" providerId="LiveId" clId="{E317B905-709D-4408-81B9-311D652082D3}" dt="2019-05-25T20:31:20.581" v="1874" actId="20577"/>
-          <ac:spMkLst>
-            <pc:docMk/>
-            <pc:sldMk cId="3064862597" sldId="275"/>
-            <ac:spMk id="105" creationId="{00000000-0000-0000-0000-000000000000}"/>
-          </ac:spMkLst>
-        </pc:spChg>
-        <pc:spChg chg="del">
-          <ac:chgData name="Zain Jafri" userId="9fa31bb16907f007" providerId="LiveId" clId="{E317B905-709D-4408-81B9-311D652082D3}" dt="2019-05-25T20:23:37.568" v="756" actId="478"/>
-          <ac:spMkLst>
-            <pc:docMk/>
-            <pc:sldMk cId="3064862597" sldId="275"/>
-            <ac:spMk id="106" creationId="{00000000-0000-0000-0000-000000000000}"/>
-          </ac:spMkLst>
-        </pc:spChg>
-        <pc:spChg chg="del">
-          <ac:chgData name="Zain Jafri" userId="9fa31bb16907f007" providerId="LiveId" clId="{E317B905-709D-4408-81B9-311D652082D3}" dt="2019-05-25T20:37:56.113" v="2036" actId="478"/>
-          <ac:spMkLst>
-            <pc:docMk/>
-            <pc:sldMk cId="3064862597" sldId="275"/>
-            <ac:spMk id="107" creationId="{00000000-0000-0000-0000-000000000000}"/>
-          </ac:spMkLst>
-        </pc:spChg>
-        <pc:spChg chg="del">
-          <ac:chgData name="Zain Jafri" userId="9fa31bb16907f007" providerId="LiveId" clId="{E317B905-709D-4408-81B9-311D652082D3}" dt="2019-05-26T16:07:56.268" v="3808" actId="478"/>
-          <ac:spMkLst>
-            <pc:docMk/>
-            <pc:sldMk cId="3064862597" sldId="275"/>
-            <ac:spMk id="108" creationId="{00000000-0000-0000-0000-000000000000}"/>
-          </ac:spMkLst>
-        </pc:spChg>
-        <pc:spChg chg="mod">
-          <ac:chgData name="Zain Jafri" userId="9fa31bb16907f007" providerId="LiveId" clId="{E317B905-709D-4408-81B9-311D652082D3}" dt="2019-05-26T16:01:36.803" v="2891" actId="1035"/>
-          <ac:spMkLst>
-            <pc:docMk/>
-            <pc:sldMk cId="3064862597" sldId="275"/>
-            <ac:spMk id="109" creationId="{00000000-0000-0000-0000-000000000000}"/>
-          </ac:spMkLst>
-        </pc:spChg>
-        <pc:picChg chg="del">
-          <ac:chgData name="Zain Jafri" userId="9fa31bb16907f007" providerId="LiveId" clId="{E317B905-709D-4408-81B9-311D652082D3}" dt="2019-05-25T20:20:53.003" v="289" actId="478"/>
-          <ac:picMkLst>
-            <pc:docMk/>
-            <pc:sldMk cId="3064862597" sldId="275"/>
-            <ac:picMk id="110" creationId="{00000000-0000-0000-0000-000000000000}"/>
-          </ac:picMkLst>
-        </pc:picChg>
-      </pc:sldChg>
-      <pc:sldChg chg="addSp delSp modSp add addCm modCm">
-        <pc:chgData name="Zain Jafri" userId="9fa31bb16907f007" providerId="LiveId" clId="{E317B905-709D-4408-81B9-311D652082D3}" dt="2019-05-26T16:16:12.165" v="4304"/>
-        <pc:sldMkLst>
-          <pc:docMk/>
-          <pc:sldMk cId="1625506014" sldId="276"/>
-        </pc:sldMkLst>
-        <pc:spChg chg="del">
-          <ac:chgData name="Zain Jafri" userId="9fa31bb16907f007" providerId="LiveId" clId="{E317B905-709D-4408-81B9-311D652082D3}" dt="2019-05-25T20:30:16.137" v="1560" actId="478"/>
-          <ac:spMkLst>
-            <pc:docMk/>
-            <pc:sldMk cId="1625506014" sldId="276"/>
-            <ac:spMk id="3" creationId="{E57D5AA8-7274-4426-8237-11D7B2C3A873}"/>
-          </ac:spMkLst>
-        </pc:spChg>
-        <pc:spChg chg="add del mod">
-          <ac:chgData name="Zain Jafri" userId="9fa31bb16907f007" providerId="LiveId" clId="{E317B905-709D-4408-81B9-311D652082D3}" dt="2019-05-25T20:30:18.621" v="1561" actId="478"/>
-          <ac:spMkLst>
-            <pc:docMk/>
-            <pc:sldMk cId="1625506014" sldId="276"/>
-            <ac:spMk id="4" creationId="{0EC8C01C-17F4-4DF0-A7FF-C10BCCA3CC87}"/>
-          </ac:spMkLst>
-        </pc:spChg>
-        <pc:spChg chg="add del mod">
-          <ac:chgData name="Zain Jafri" userId="9fa31bb16907f007" providerId="LiveId" clId="{E317B905-709D-4408-81B9-311D652082D3}" dt="2019-05-26T16:08:43.361" v="3817" actId="478"/>
-          <ac:spMkLst>
-            <pc:docMk/>
-            <pc:sldMk cId="1625506014" sldId="276"/>
-            <ac:spMk id="5" creationId="{1855432E-9210-4345-95F5-7E04ADAAFCC2}"/>
-          </ac:spMkLst>
-        </pc:spChg>
-        <pc:spChg chg="add mod">
-          <ac:chgData name="Zain Jafri" userId="9fa31bb16907f007" providerId="LiveId" clId="{E317B905-709D-4408-81B9-311D652082D3}" dt="2019-05-25T20:31:11.070" v="1834" actId="20577"/>
-          <ac:spMkLst>
-            <pc:docMk/>
-            <pc:sldMk cId="1625506014" sldId="276"/>
-            <ac:spMk id="9" creationId="{1A9EB261-8737-438D-A61E-F4BCFBD8347E}"/>
-          </ac:spMkLst>
-        </pc:spChg>
-        <pc:spChg chg="mod">
-          <ac:chgData name="Zain Jafri" userId="9fa31bb16907f007" providerId="LiveId" clId="{E317B905-709D-4408-81B9-311D652082D3}" dt="2019-05-25T20:30:12.458" v="1559" actId="20577"/>
-          <ac:spMkLst>
-            <pc:docMk/>
-            <pc:sldMk cId="1625506014" sldId="276"/>
-            <ac:spMk id="105" creationId="{00000000-0000-0000-0000-000000000000}"/>
-          </ac:spMkLst>
-        </pc:spChg>
-        <pc:spChg chg="del">
-          <ac:chgData name="Zain Jafri" userId="9fa31bb16907f007" providerId="LiveId" clId="{E317B905-709D-4408-81B9-311D652082D3}" dt="2019-05-25T20:37:50.210" v="2035" actId="478"/>
-          <ac:spMkLst>
-            <pc:docMk/>
-            <pc:sldMk cId="1625506014" sldId="276"/>
-            <ac:spMk id="107" creationId="{00000000-0000-0000-0000-000000000000}"/>
-          </ac:spMkLst>
-        </pc:spChg>
-        <pc:spChg chg="del">
-          <ac:chgData name="Zain Jafri" userId="9fa31bb16907f007" providerId="LiveId" clId="{E317B905-709D-4408-81B9-311D652082D3}" dt="2019-05-26T16:07:51.847" v="3807" actId="478"/>
-          <ac:spMkLst>
-            <pc:docMk/>
-            <pc:sldMk cId="1625506014" sldId="276"/>
-            <ac:spMk id="108" creationId="{00000000-0000-0000-0000-000000000000}"/>
-          </ac:spMkLst>
-        </pc:spChg>
-        <pc:spChg chg="del">
-          <ac:chgData name="Zain Jafri" userId="9fa31bb16907f007" providerId="LiveId" clId="{E317B905-709D-4408-81B9-311D652082D3}" dt="2019-05-25T20:30:16.137" v="1560" actId="478"/>
-          <ac:spMkLst>
-            <pc:docMk/>
-            <pc:sldMk cId="1625506014" sldId="276"/>
-            <ac:spMk id="109" creationId="{00000000-0000-0000-0000-000000000000}"/>
-          </ac:spMkLst>
-        </pc:spChg>
-        <pc:picChg chg="add mod">
-          <ac:chgData name="Zain Jafri" userId="9fa31bb16907f007" providerId="LiveId" clId="{E317B905-709D-4408-81B9-311D652082D3}" dt="2019-05-26T16:10:37.988" v="3830" actId="1076"/>
-          <ac:picMkLst>
-            <pc:docMk/>
-            <pc:sldMk cId="1625506014" sldId="276"/>
-            <ac:picMk id="1026" creationId="{C774DC86-CC66-4F71-9077-D1F71A28E6EC}"/>
-          </ac:picMkLst>
-        </pc:picChg>
-        <pc:picChg chg="add mod">
-          <ac:chgData name="Zain Jafri" userId="9fa31bb16907f007" providerId="LiveId" clId="{E317B905-709D-4408-81B9-311D652082D3}" dt="2019-05-26T16:11:45.261" v="3876" actId="1036"/>
-          <ac:picMkLst>
-            <pc:docMk/>
-            <pc:sldMk cId="1625506014" sldId="276"/>
-            <ac:picMk id="1028" creationId="{31B77445-C63E-47A7-A778-EF2B66408F7D}"/>
-          </ac:picMkLst>
-        </pc:picChg>
-        <pc:picChg chg="add mod">
-          <ac:chgData name="Zain Jafri" userId="9fa31bb16907f007" providerId="LiveId" clId="{E317B905-709D-4408-81B9-311D652082D3}" dt="2019-05-26T16:10:55.583" v="3839" actId="1076"/>
-          <ac:picMkLst>
-            <pc:docMk/>
-            <pc:sldMk cId="1625506014" sldId="276"/>
-            <ac:picMk id="1030" creationId="{AEF9EA02-11DB-4CAD-94FE-B164DFF78A12}"/>
-          </ac:picMkLst>
-        </pc:picChg>
-        <pc:picChg chg="add mod">
-          <ac:chgData name="Zain Jafri" userId="9fa31bb16907f007" providerId="LiveId" clId="{E317B905-709D-4408-81B9-311D652082D3}" dt="2019-05-26T16:10:54.006" v="3838" actId="1076"/>
-          <ac:picMkLst>
-            <pc:docMk/>
-            <pc:sldMk cId="1625506014" sldId="276"/>
-            <ac:picMk id="1032" creationId="{55C4DB4B-B4D0-4C6D-8DC4-A70B0D0ABC03}"/>
-          </ac:picMkLst>
-        </pc:picChg>
-        <pc:picChg chg="add mod">
-          <ac:chgData name="Zain Jafri" userId="9fa31bb16907f007" providerId="LiveId" clId="{E317B905-709D-4408-81B9-311D652082D3}" dt="2019-05-26T16:11:01.756" v="3869" actId="1037"/>
-          <ac:picMkLst>
-            <pc:docMk/>
-            <pc:sldMk cId="1625506014" sldId="276"/>
-            <ac:picMk id="1034" creationId="{2E69C248-DF3C-45DE-B0A6-E5B74E7D674B}"/>
-          </ac:picMkLst>
-        </pc:picChg>
-      </pc:sldChg>
-      <pc:sldChg chg="addSp delSp modSp add addCm modCm">
-        <pc:chgData name="Zain Jafri" userId="9fa31bb16907f007" providerId="LiveId" clId="{E317B905-709D-4408-81B9-311D652082D3}" dt="2019-05-27T22:45:29.790" v="4499" actId="1589"/>
-        <pc:sldMkLst>
-          <pc:docMk/>
-          <pc:sldMk cId="623224484" sldId="277"/>
-        </pc:sldMkLst>
-        <pc:spChg chg="del">
-          <ac:chgData name="Zain Jafri" userId="9fa31bb16907f007" providerId="LiveId" clId="{E317B905-709D-4408-81B9-311D652082D3}" dt="2019-05-25T20:33:54.247" v="2010" actId="478"/>
-          <ac:spMkLst>
-            <pc:docMk/>
-            <pc:sldMk cId="623224484" sldId="277"/>
-            <ac:spMk id="3" creationId="{E57D5AA8-7274-4426-8237-11D7B2C3A873}"/>
-          </ac:spMkLst>
-        </pc:spChg>
-        <pc:spChg chg="add del mod">
-          <ac:chgData name="Zain Jafri" userId="9fa31bb16907f007" providerId="LiveId" clId="{E317B905-709D-4408-81B9-311D652082D3}" dt="2019-05-25T20:33:58.716" v="2012" actId="478"/>
-          <ac:spMkLst>
-            <pc:docMk/>
-            <pc:sldMk cId="623224484" sldId="277"/>
-            <ac:spMk id="4" creationId="{1AE24B08-CF5D-4291-AC4B-5B9BB6874538}"/>
-          </ac:spMkLst>
-        </pc:spChg>
-        <pc:spChg chg="add mod">
-          <ac:chgData name="Zain Jafri" userId="9fa31bb16907f007" providerId="LiveId" clId="{E317B905-709D-4408-81B9-311D652082D3}" dt="2019-05-26T16:13:36.946" v="4078" actId="207"/>
-          <ac:spMkLst>
-            <pc:docMk/>
-            <pc:sldMk cId="623224484" sldId="277"/>
-            <ac:spMk id="8" creationId="{E5DD1CD4-C9A5-4D87-8CE4-55761BFCA879}"/>
-          </ac:spMkLst>
-        </pc:spChg>
-        <pc:spChg chg="add mod">
-          <ac:chgData name="Zain Jafri" userId="9fa31bb16907f007" providerId="LiveId" clId="{E317B905-709D-4408-81B9-311D652082D3}" dt="2019-05-26T16:12:38.890" v="3991" actId="1036"/>
-          <ac:spMkLst>
-            <pc:docMk/>
-            <pc:sldMk cId="623224484" sldId="277"/>
-            <ac:spMk id="10" creationId="{16F8140B-D422-49CF-B719-108C80A9B342}"/>
-          </ac:spMkLst>
-        </pc:spChg>
-        <pc:spChg chg="mod">
-          <ac:chgData name="Zain Jafri" userId="9fa31bb16907f007" providerId="LiveId" clId="{E317B905-709D-4408-81B9-311D652082D3}" dt="2019-05-26T16:12:23.097" v="3959" actId="20577"/>
-          <ac:spMkLst>
-            <pc:docMk/>
-            <pc:sldMk cId="623224484" sldId="277"/>
-            <ac:spMk id="105" creationId="{00000000-0000-0000-0000-000000000000}"/>
-          </ac:spMkLst>
-        </pc:spChg>
-        <pc:spChg chg="del mod">
-          <ac:chgData name="Zain Jafri" userId="9fa31bb16907f007" providerId="LiveId" clId="{E317B905-709D-4408-81B9-311D652082D3}" dt="2019-05-25T20:37:58.920" v="2038" actId="478"/>
-          <ac:spMkLst>
-            <pc:docMk/>
-            <pc:sldMk cId="623224484" sldId="277"/>
-            <ac:spMk id="107" creationId="{00000000-0000-0000-0000-000000000000}"/>
-          </ac:spMkLst>
-        </pc:spChg>
-        <pc:spChg chg="del">
-          <ac:chgData name="Zain Jafri" userId="9fa31bb16907f007" providerId="LiveId" clId="{E317B905-709D-4408-81B9-311D652082D3}" dt="2019-05-26T16:07:59.710" v="3809" actId="478"/>
-          <ac:spMkLst>
-            <pc:docMk/>
-            <pc:sldMk cId="623224484" sldId="277"/>
-            <ac:spMk id="108" creationId="{00000000-0000-0000-0000-000000000000}"/>
-          </ac:spMkLst>
-        </pc:spChg>
-        <pc:spChg chg="del">
-          <ac:chgData name="Zain Jafri" userId="9fa31bb16907f007" providerId="LiveId" clId="{E317B905-709D-4408-81B9-311D652082D3}" dt="2019-05-25T20:33:56.810" v="2011" actId="478"/>
-          <ac:spMkLst>
-            <pc:docMk/>
-            <pc:sldMk cId="623224484" sldId="277"/>
-            <ac:spMk id="109" creationId="{00000000-0000-0000-0000-000000000000}"/>
-          </ac:spMkLst>
-        </pc:spChg>
-        <pc:cxnChg chg="add mod">
-          <ac:chgData name="Zain Jafri" userId="9fa31bb16907f007" providerId="LiveId" clId="{E317B905-709D-4408-81B9-311D652082D3}" dt="2019-05-26T16:12:29.892" v="3971" actId="1035"/>
-          <ac:cxnSpMkLst>
-            <pc:docMk/>
-            <pc:sldMk cId="623224484" sldId="277"/>
-            <ac:cxnSpMk id="2" creationId="{43561D8F-FD9A-4F41-8DE1-230BDC7F8A04}"/>
-          </ac:cxnSpMkLst>
-        </pc:cxnChg>
-      </pc:sldChg>
-      <pc:sldChg chg="addSp delSp modSp add addCm modCm">
-        <pc:chgData name="Zain Jafri" userId="9fa31bb16907f007" providerId="LiveId" clId="{E317B905-709D-4408-81B9-311D652082D3}" dt="2019-05-26T16:20:13.264" v="4436" actId="20577"/>
-        <pc:sldMkLst>
-          <pc:docMk/>
-          <pc:sldMk cId="1300517471" sldId="278"/>
-        </pc:sldMkLst>
-        <pc:spChg chg="add mod">
-          <ac:chgData name="Zain Jafri" userId="9fa31bb16907f007" providerId="LiveId" clId="{E317B905-709D-4408-81B9-311D652082D3}" dt="2019-05-26T16:20:13.264" v="4436" actId="20577"/>
-          <ac:spMkLst>
-            <pc:docMk/>
-            <pc:sldMk cId="1300517471" sldId="278"/>
-            <ac:spMk id="5" creationId="{D46576A1-D4E8-4062-A8A0-086E299D421B}"/>
-          </ac:spMkLst>
-        </pc:spChg>
-        <pc:spChg chg="mod">
-          <ac:chgData name="Zain Jafri" userId="9fa31bb16907f007" providerId="LiveId" clId="{E317B905-709D-4408-81B9-311D652082D3}" dt="2019-05-25T20:38:26.832" v="2087" actId="20577"/>
-          <ac:spMkLst>
-            <pc:docMk/>
-            <pc:sldMk cId="1300517471" sldId="278"/>
-            <ac:spMk id="105" creationId="{00000000-0000-0000-0000-000000000000}"/>
-          </ac:spMkLst>
-        </pc:spChg>
-        <pc:spChg chg="del">
-          <ac:chgData name="Zain Jafri" userId="9fa31bb16907f007" providerId="LiveId" clId="{E317B905-709D-4408-81B9-311D652082D3}" dt="2019-05-26T16:08:01.667" v="3810" actId="478"/>
-          <ac:spMkLst>
-            <pc:docMk/>
-            <pc:sldMk cId="1300517471" sldId="278"/>
-            <ac:spMk id="108" creationId="{00000000-0000-0000-0000-000000000000}"/>
-          </ac:spMkLst>
-        </pc:spChg>
-      </pc:sldChg>
-      <pc:sldChg chg="modSp add del">
-        <pc:chgData name="Zain Jafri" userId="9fa31bb16907f007" providerId="LiveId" clId="{E317B905-709D-4408-81B9-311D652082D3}" dt="2019-05-26T15:59:37.279" v="2761" actId="2696"/>
-        <pc:sldMkLst>
-          <pc:docMk/>
-          <pc:sldMk cId="3667847608" sldId="279"/>
-        </pc:sldMkLst>
-        <pc:spChg chg="mod">
-          <ac:chgData name="Zain Jafri" userId="9fa31bb16907f007" providerId="LiveId" clId="{E317B905-709D-4408-81B9-311D652082D3}" dt="2019-05-25T20:38:35.063" v="2106" actId="20577"/>
-          <ac:spMkLst>
-            <pc:docMk/>
-            <pc:sldMk cId="3667847608" sldId="279"/>
-            <ac:spMk id="105" creationId="{00000000-0000-0000-0000-000000000000}"/>
-          </ac:spMkLst>
-        </pc:spChg>
-      </pc:sldChg>
-      <pc:sldChg chg="addSp delSp modSp add addCm modCm">
-        <pc:chgData name="Zain Jafri" userId="9fa31bb16907f007" providerId="LiveId" clId="{E317B905-709D-4408-81B9-311D652082D3}" dt="2019-05-26T16:16:35.244" v="4312"/>
-        <pc:sldMkLst>
-          <pc:docMk/>
-          <pc:sldMk cId="1163658318" sldId="280"/>
-        </pc:sldMkLst>
-        <pc:spChg chg="add mod">
-          <ac:chgData name="Zain Jafri" userId="9fa31bb16907f007" providerId="LiveId" clId="{E317B905-709D-4408-81B9-311D652082D3}" dt="2019-05-26T16:12:55.198" v="3994" actId="1036"/>
-          <ac:spMkLst>
-            <pc:docMk/>
-            <pc:sldMk cId="1163658318" sldId="280"/>
-            <ac:spMk id="5" creationId="{2BFDF0D6-F40D-456F-B8E0-932363E5B50E}"/>
-          </ac:spMkLst>
-        </pc:spChg>
-        <pc:spChg chg="mod">
-          <ac:chgData name="Zain Jafri" userId="9fa31bb16907f007" providerId="LiveId" clId="{E317B905-709D-4408-81B9-311D652082D3}" dt="2019-05-25T20:38:48.947" v="2135" actId="20577"/>
-          <ac:spMkLst>
-            <pc:docMk/>
-            <pc:sldMk cId="1163658318" sldId="280"/>
-            <ac:spMk id="105" creationId="{00000000-0000-0000-0000-000000000000}"/>
-          </ac:spMkLst>
-        </pc:spChg>
-        <pc:spChg chg="del">
-          <ac:chgData name="Zain Jafri" userId="9fa31bb16907f007" providerId="LiveId" clId="{E317B905-709D-4408-81B9-311D652082D3}" dt="2019-05-26T16:08:03.672" v="3811" actId="478"/>
-          <ac:spMkLst>
-            <pc:docMk/>
-            <pc:sldMk cId="1163658318" sldId="280"/>
-            <ac:spMk id="108" creationId="{00000000-0000-0000-0000-000000000000}"/>
-          </ac:spMkLst>
-        </pc:spChg>
-        <pc:graphicFrameChg chg="add mod modGraphic">
-          <ac:chgData name="Zain Jafri" userId="9fa31bb16907f007" providerId="LiveId" clId="{E317B905-709D-4408-81B9-311D652082D3}" dt="2019-05-26T16:13:00.108" v="4009" actId="1035"/>
-          <ac:graphicFrameMkLst>
-            <pc:docMk/>
-            <pc:sldMk cId="1163658318" sldId="280"/>
-            <ac:graphicFrameMk id="2" creationId="{20589061-E9DC-477E-87F5-2BDC299FFCFC}"/>
-          </ac:graphicFrameMkLst>
-        </pc:graphicFrameChg>
-      </pc:sldChg>
-      <pc:sldChg chg="add del setBg">
-        <pc:chgData name="Zain Jafri" userId="9fa31bb16907f007" providerId="LiveId" clId="{E317B905-709D-4408-81B9-311D652082D3}" dt="2019-05-26T15:54:11.890" v="2148"/>
-        <pc:sldMkLst>
-          <pc:docMk/>
-          <pc:sldMk cId="3291061125" sldId="281"/>
-        </pc:sldMkLst>
-        <pc:spChg chg="add mod">
-          <ac:chgData name="Zain Jafri" userId="9fa31bb16907f007" providerId="LiveId" clId="{E317B905-709D-4408-81B9-311D652082D3}" dt="2019-05-26T16:13:46.119" v="4079" actId="207"/>
-          <ac:spMkLst>
-            <pc:docMk/>
-            <pc:sldMk cId="3291061125" sldId="281"/>
-            <ac:spMk id="4" creationId="{BBC4606E-4940-4851-BF99-9D456FA4E71E}"/>
-          </ac:spMkLst>
-        </pc:spChg>
-        <pc:spChg chg="mod">
-          <ac:chgData name="Zain Jafri" userId="9fa31bb16907f007" providerId="LiveId" clId="{E317B905-709D-4408-81B9-311D652082D3}" dt="2019-05-26T16:14:31.215" v="4104" actId="20577"/>
-          <ac:spMkLst>
-            <pc:docMk/>
-            <pc:sldMk cId="3291061125" sldId="281"/>
-            <ac:spMk id="105" creationId="{00000000-0000-0000-0000-000000000000}"/>
-          </ac:spMkLst>
-        </pc:spChg>
-        <pc:spChg chg="del">
-          <ac:chgData name="Zain Jafri" userId="9fa31bb16907f007" providerId="LiveId" clId="{E317B905-709D-4408-81B9-311D652082D3}" dt="2019-05-26T16:08:05.936" v="3812" actId="478"/>
-          <ac:spMkLst>
-            <pc:docMk/>
-            <pc:sldMk cId="3291061125" sldId="281"/>
-            <ac:spMk id="108" creationId="{00000000-0000-0000-0000-000000000000}"/>
-          </ac:spMkLst>
-        </pc:spChg>
-      </pc:sldChg>
-      <pc:sldChg chg="delSp modSp add addCm modCm">
-        <pc:chgData name="Zain Jafri" userId="9fa31bb16907f007" providerId="LiveId" clId="{E317B905-709D-4408-81B9-311D652082D3}" dt="2019-05-26T16:17:36.884" v="4317"/>
-        <pc:sldMkLst>
-          <pc:docMk/>
-          <pc:sldMk cId="2303775462" sldId="282"/>
-        </pc:sldMkLst>
-        <pc:spChg chg="mod">
-          <ac:chgData name="Zain Jafri" userId="9fa31bb16907f007" providerId="LiveId" clId="{E317B905-709D-4408-81B9-311D652082D3}" dt="2019-05-26T16:15:46.144" v="4300" actId="20577"/>
-          <ac:spMkLst>
-            <pc:docMk/>
-            <pc:sldMk cId="2303775462" sldId="282"/>
-            <ac:spMk id="4" creationId="{BBC4606E-4940-4851-BF99-9D456FA4E71E}"/>
-          </ac:spMkLst>
-        </pc:spChg>
-        <pc:spChg chg="mod">
-          <ac:chgData name="Zain Jafri" userId="9fa31bb16907f007" providerId="LiveId" clId="{E317B905-709D-4408-81B9-311D652082D3}" dt="2019-05-26T16:04:43.295" v="3389" actId="20577"/>
-          <ac:spMkLst>
-            <pc:docMk/>
-            <pc:sldMk cId="2303775462" sldId="282"/>
-            <ac:spMk id="105" creationId="{00000000-0000-0000-0000-000000000000}"/>
-          </ac:spMkLst>
-        </pc:spChg>
-        <pc:spChg chg="del">
-          <ac:chgData name="Zain Jafri" userId="9fa31bb16907f007" providerId="LiveId" clId="{E317B905-709D-4408-81B9-311D652082D3}" dt="2019-05-26T16:08:07.654" v="3813" actId="478"/>
-          <ac:spMkLst>
-            <pc:docMk/>
-            <pc:sldMk cId="2303775462" sldId="282"/>
-            <ac:spMk id="108" creationId="{00000000-0000-0000-0000-000000000000}"/>
-          </ac:spMkLst>
-        </pc:spChg>
-      </pc:sldChg>
-      <pc:sldChg chg="add del setBg">
-        <pc:chgData name="Zain Jafri" userId="9fa31bb16907f007" providerId="LiveId" clId="{E317B905-709D-4408-81B9-311D652082D3}" dt="2019-05-26T15:54:11.890" v="2148"/>
-        <pc:sldMkLst>
-          <pc:docMk/>
-          <pc:sldMk cId="1193765717" sldId="283"/>
-        </pc:sldMkLst>
-        <pc:spChg chg="add del mod">
-          <ac:chgData name="Zain Jafri" userId="9fa31bb16907f007" providerId="LiveId" clId="{E317B905-709D-4408-81B9-311D652082D3}" dt="2019-05-26T16:13:57.486" v="4081" actId="207"/>
-          <ac:spMkLst>
-            <pc:docMk/>
-            <pc:sldMk cId="1193765717" sldId="283"/>
-            <ac:spMk id="4" creationId="{BBC4606E-4940-4851-BF99-9D456FA4E71E}"/>
-          </ac:spMkLst>
-        </pc:spChg>
-        <pc:spChg chg="mod">
-          <ac:chgData name="Zain Jafri" userId="9fa31bb16907f007" providerId="LiveId" clId="{E317B905-709D-4408-81B9-311D652082D3}" dt="2019-05-26T16:05:42.003" v="3703" actId="20577"/>
-          <ac:spMkLst>
-            <pc:docMk/>
-            <pc:sldMk cId="1193765717" sldId="283"/>
-            <ac:spMk id="105" creationId="{00000000-0000-0000-0000-000000000000}"/>
-          </ac:spMkLst>
-        </pc:spChg>
-        <pc:spChg chg="del">
-          <ac:chgData name="Zain Jafri" userId="9fa31bb16907f007" providerId="LiveId" clId="{E317B905-709D-4408-81B9-311D652082D3}" dt="2019-05-26T16:08:09.708" v="3814" actId="478"/>
-          <ac:spMkLst>
-            <pc:docMk/>
-            <pc:sldMk cId="1193765717" sldId="283"/>
-            <ac:spMk id="108" creationId="{00000000-0000-0000-0000-000000000000}"/>
-          </ac:spMkLst>
-        </pc:spChg>
-      </pc:sldChg>
-      <pc:sldChg chg="addSp delSp modSp add ord setBg addCm modCm">
-        <pc:chgData name="Zain Jafri" userId="9fa31bb16907f007" providerId="LiveId" clId="{E317B905-709D-4408-81B9-311D652082D3}" dt="2019-05-26T16:21:10.369" v="4439"/>
-        <pc:sldMkLst>
-          <pc:docMk/>
-          <pc:sldMk cId="1359544750" sldId="284"/>
-        </pc:sldMkLst>
-        <pc:spChg chg="del">
-          <ac:chgData name="Zain Jafri" userId="9fa31bb16907f007" providerId="LiveId" clId="{E317B905-709D-4408-81B9-311D652082D3}" dt="2019-05-26T16:08:12.925" v="3816" actId="478"/>
-          <ac:spMkLst>
-            <pc:docMk/>
-            <pc:sldMk cId="1359544750" sldId="284"/>
-            <ac:spMk id="2" creationId="{9A3E6674-8672-4B51-83F5-D73617AA1823}"/>
-          </ac:spMkLst>
-        </pc:spChg>
-        <pc:spChg chg="del">
-          <ac:chgData name="Zain Jafri" userId="9fa31bb16907f007" providerId="LiveId" clId="{E317B905-709D-4408-81B9-311D652082D3}" dt="2019-05-26T16:05:57.561" v="3741" actId="478"/>
-          <ac:spMkLst>
-            <pc:docMk/>
-            <pc:sldMk cId="1359544750" sldId="284"/>
-            <ac:spMk id="4" creationId="{BBC4606E-4940-4851-BF99-9D456FA4E71E}"/>
-          </ac:spMkLst>
-        </pc:spChg>
-        <pc:spChg chg="mod">
-          <ac:chgData name="Zain Jafri" userId="9fa31bb16907f007" providerId="LiveId" clId="{E317B905-709D-4408-81B9-311D652082D3}" dt="2019-05-26T16:05:55.204" v="3740" actId="20577"/>
-          <ac:spMkLst>
-            <pc:docMk/>
-            <pc:sldMk cId="1359544750" sldId="284"/>
-            <ac:spMk id="105" creationId="{00000000-0000-0000-0000-000000000000}"/>
-          </ac:spMkLst>
-        </pc:spChg>
-        <pc:spChg chg="del">
-          <ac:chgData name="Zain Jafri" userId="9fa31bb16907f007" providerId="LiveId" clId="{E317B905-709D-4408-81B9-311D652082D3}" dt="2019-05-26T16:07:19.916" v="3805" actId="478"/>
-          <ac:spMkLst>
-            <pc:docMk/>
-            <pc:sldMk cId="1359544750" sldId="284"/>
-            <ac:spMk id="108" creationId="{00000000-0000-0000-0000-000000000000}"/>
-          </ac:spMkLst>
-        </pc:spChg>
-        <pc:cxnChg chg="add mod">
-          <ac:chgData name="Zain Jafri" userId="9fa31bb16907f007" providerId="LiveId" clId="{E317B905-709D-4408-81B9-311D652082D3}" dt="2019-05-26T16:14:06.366" v="4086" actId="1036"/>
-          <ac:cxnSpMkLst>
-            <pc:docMk/>
-            <pc:sldMk cId="1359544750" sldId="284"/>
-            <ac:cxnSpMk id="5" creationId="{A15D6FFA-37E7-430D-A166-9D1DF9105971}"/>
-          </ac:cxnSpMkLst>
-        </pc:cxnChg>
-      </pc:sldChg>
-      <pc:sldMasterChg chg="setBg delSldLayout modSldLayout">
-        <pc:chgData name="Zain Jafri" userId="9fa31bb16907f007" providerId="LiveId" clId="{E317B905-709D-4408-81B9-311D652082D3}" dt="2019-05-26T16:07:24.882" v="3806"/>
-        <pc:sldMasterMkLst>
-          <pc:docMk/>
-          <pc:sldMasterMk cId="0" sldId="2147483654"/>
-        </pc:sldMasterMkLst>
-        <pc:sldLayoutChg chg="setBg">
-          <pc:chgData name="Zain Jafri" userId="9fa31bb16907f007" providerId="LiveId" clId="{E317B905-709D-4408-81B9-311D652082D3}" dt="2019-05-26T16:07:24.882" v="3806"/>
-          <pc:sldLayoutMkLst>
-            <pc:docMk/>
-            <pc:sldMasterMk cId="0" sldId="2147483654"/>
-            <pc:sldLayoutMk cId="0" sldId="2147483648"/>
-          </pc:sldLayoutMkLst>
-        </pc:sldLayoutChg>
-        <pc:sldLayoutChg chg="setBg">
-          <pc:chgData name="Zain Jafri" userId="9fa31bb16907f007" providerId="LiveId" clId="{E317B905-709D-4408-81B9-311D652082D3}" dt="2019-05-26T16:07:24.882" v="3806"/>
-          <pc:sldLayoutMkLst>
-            <pc:docMk/>
-            <pc:sldMasterMk cId="0" sldId="2147483654"/>
-            <pc:sldLayoutMk cId="0" sldId="2147483649"/>
-          </pc:sldLayoutMkLst>
-        </pc:sldLayoutChg>
-        <pc:sldLayoutChg chg="setBg">
-          <pc:chgData name="Zain Jafri" userId="9fa31bb16907f007" providerId="LiveId" clId="{E317B905-709D-4408-81B9-311D652082D3}" dt="2019-05-26T16:07:24.882" v="3806"/>
-          <pc:sldLayoutMkLst>
-            <pc:docMk/>
-            <pc:sldMasterMk cId="0" sldId="2147483654"/>
-            <pc:sldLayoutMk cId="0" sldId="2147483651"/>
-          </pc:sldLayoutMkLst>
-        </pc:sldLayoutChg>
-        <pc:sldLayoutChg chg="setBg">
-          <pc:chgData name="Zain Jafri" userId="9fa31bb16907f007" providerId="LiveId" clId="{E317B905-709D-4408-81B9-311D652082D3}" dt="2019-05-26T16:07:24.882" v="3806"/>
-          <pc:sldLayoutMkLst>
-            <pc:docMk/>
-            <pc:sldMasterMk cId="0" sldId="2147483654"/>
-            <pc:sldLayoutMk cId="0" sldId="2147483653"/>
-          </pc:sldLayoutMkLst>
-        </pc:sldLayoutChg>
-      </pc:sldMasterChg>
-    </pc:docChg>
-  </pc:docChgLst>
-</pc:chgInfo>
-</file>
-
-<file path=ppt/comments/comment1.xml><?xml version="1.0" encoding="utf-8"?>
-<p:cmLst xmlns:a="http://schemas.openxmlformats.org/drawingml/2006/main" xmlns:r="http://schemas.openxmlformats.org/officeDocument/2006/relationships" xmlns:p="http://schemas.openxmlformats.org/presentationml/2006/main">
-  <p:cm authorId="1" dt="2019-06-05T09:14:57.684" idx="20">
-    <p:pos x="10" y="10"/>
-    <p:text>Michael -- I'm not sure I understand what this bullet is trying to see. I feel like we may be missing a word at the beginning ("We ran a on the..."), but couldn't decipher it.</p:text>
-    <p:extLst>
-      <p:ext uri="{C676402C-5697-4E1C-873F-D02D1690AC5C}">
-        <p15:threadingInfo xmlns:p15="http://schemas.microsoft.com/office/powerpoint/2012/main" timeZoneBias="300"/>
-      </p:ext>
-    </p:extLst>
-  </p:cm>
-</p:cmLst>
-</file>
-
-<file path=ppt/comments/comment2.xml><?xml version="1.0" encoding="utf-8"?>
-<p:cmLst xmlns:a="http://schemas.openxmlformats.org/drawingml/2006/main" xmlns:r="http://schemas.openxmlformats.org/officeDocument/2006/relationships" xmlns:p="http://schemas.openxmlformats.org/presentationml/2006/main">
-  <p:cm authorId="1" dt="2019-06-05T09:16:53.377" idx="21">
-    <p:pos x="3155" y="659"/>
-    <p:text>Michael, were you able to update the header on this chart in your workbook?</p:text>
-    <p:extLst>
-      <p:ext uri="{C676402C-5697-4E1C-873F-D02D1690AC5C}">
-        <p15:threadingInfo xmlns:p15="http://schemas.microsoft.com/office/powerpoint/2012/main" timeZoneBias="300"/>
-      </p:ext>
-    </p:extLst>
-  </p:cm>
-</p:cmLst>
 </file>
 
 <file path=ppt/diagrams/colors1.xml><?xml version="1.0" encoding="utf-8"?>
@@ -8495,7 +7753,7 @@
   <p:clrMapOvr>
     <a:masterClrMapping/>
   </p:clrMapOvr>
-  <p:extLst mod="1">
+  <p:extLst>
     <p:ext uri="{DCECCB84-F9BA-43D5-87BE-67443E8EF086}">
       <p15:sldGuideLst xmlns:p15="http://schemas.microsoft.com/office/powerpoint/2012/main">
         <p15:guide id="1" orient="horz" pos="2904">
@@ -9829,7 +9087,7 @@
   <p:clrMapOvr>
     <a:masterClrMapping/>
   </p:clrMapOvr>
-  <p:extLst mod="1">
+  <p:extLst>
     <p:ext uri="{DCECCB84-F9BA-43D5-87BE-67443E8EF086}">
       <p15:sldGuideLst xmlns:p15="http://schemas.microsoft.com/office/powerpoint/2012/main">
         <p15:guide id="1" pos="5112">
@@ -11256,7 +10514,7 @@
   <p:clrMapOvr>
     <a:masterClrMapping/>
   </p:clrMapOvr>
-  <p:extLst mod="1">
+  <p:extLst>
     <p:ext uri="{DCECCB84-F9BA-43D5-87BE-67443E8EF086}">
       <p15:sldGuideLst xmlns:p15="http://schemas.microsoft.com/office/powerpoint/2012/main">
         <p15:guide id="1" orient="horz" pos="3912">
@@ -12678,6 +11936,18 @@
   <p:clrMapOvr>
     <a:masterClrMapping/>
   </p:clrMapOvr>
+  <mc:AlternateContent xmlns:mc="http://schemas.openxmlformats.org/markup-compatibility/2006" xmlns:p15="http://schemas.microsoft.com/office/powerpoint/2012/main">
+    <mc:Choice Requires="p15">
+      <p:transition xmlns:p14="http://schemas.microsoft.com/office/powerpoint/2010/main" spd="slow" p14:dur="1250">
+        <p15:prstTrans prst="peelOff"/>
+      </p:transition>
+    </mc:Choice>
+    <mc:Fallback xmlns="">
+      <p:transition spd="slow">
+        <p:fade/>
+      </p:transition>
+    </mc:Fallback>
+  </mc:AlternateContent>
 </p:sld>
 </file>
 
@@ -12931,6 +12201,18 @@
   <p:clrMapOvr>
     <a:masterClrMapping/>
   </p:clrMapOvr>
+  <mc:AlternateContent xmlns:mc="http://schemas.openxmlformats.org/markup-compatibility/2006" xmlns:p15="http://schemas.microsoft.com/office/powerpoint/2012/main">
+    <mc:Choice Requires="p15">
+      <p:transition xmlns:p14="http://schemas.microsoft.com/office/powerpoint/2010/main" spd="slow" p14:dur="1250">
+        <p15:prstTrans prst="peelOff"/>
+      </p:transition>
+    </mc:Choice>
+    <mc:Fallback xmlns="">
+      <p:transition spd="slow">
+        <p:fade/>
+      </p:transition>
+    </mc:Fallback>
+  </mc:AlternateContent>
 </p:sld>
 </file>
 
@@ -13253,6 +12535,18 @@
   <p:clrMapOvr>
     <a:masterClrMapping/>
   </p:clrMapOvr>
+  <mc:AlternateContent xmlns:mc="http://schemas.openxmlformats.org/markup-compatibility/2006" xmlns:p15="http://schemas.microsoft.com/office/powerpoint/2012/main">
+    <mc:Choice Requires="p15">
+      <p:transition xmlns:p14="http://schemas.microsoft.com/office/powerpoint/2010/main" spd="slow" p14:dur="1250">
+        <p15:prstTrans prst="peelOff"/>
+      </p:transition>
+    </mc:Choice>
+    <mc:Fallback xmlns="">
+      <p:transition spd="slow">
+        <p:fade/>
+      </p:transition>
+    </mc:Fallback>
+  </mc:AlternateContent>
 </p:sld>
 </file>
 
@@ -13476,6 +12770,18 @@
   <p:clrMapOvr>
     <a:masterClrMapping/>
   </p:clrMapOvr>
+  <mc:AlternateContent xmlns:mc="http://schemas.openxmlformats.org/markup-compatibility/2006" xmlns:p15="http://schemas.microsoft.com/office/powerpoint/2012/main">
+    <mc:Choice Requires="p15">
+      <p:transition xmlns:p14="http://schemas.microsoft.com/office/powerpoint/2010/main" spd="slow" p14:dur="1250">
+        <p15:prstTrans prst="peelOff"/>
+      </p:transition>
+    </mc:Choice>
+    <mc:Fallback xmlns="">
+      <p:transition spd="slow">
+        <p:fade/>
+      </p:transition>
+    </mc:Fallback>
+  </mc:AlternateContent>
 </p:sld>
 </file>
 
@@ -15135,6 +14441,18 @@
   <p:clrMapOvr>
     <a:masterClrMapping/>
   </p:clrMapOvr>
+  <mc:AlternateContent xmlns:mc="http://schemas.openxmlformats.org/markup-compatibility/2006" xmlns:p15="http://schemas.microsoft.com/office/powerpoint/2012/main">
+    <mc:Choice Requires="p15">
+      <p:transition xmlns:p14="http://schemas.microsoft.com/office/powerpoint/2010/main" spd="slow" p14:dur="1250">
+        <p15:prstTrans prst="pageCurlDouble"/>
+      </p:transition>
+    </mc:Choice>
+    <mc:Fallback xmlns="">
+      <p:transition spd="slow">
+        <p:fade/>
+      </p:transition>
+    </mc:Fallback>
+  </mc:AlternateContent>
 </p:sld>
 </file>
 
@@ -15469,6 +14787,18 @@
   <p:clrMapOvr>
     <a:masterClrMapping/>
   </p:clrMapOvr>
+  <mc:AlternateContent xmlns:mc="http://schemas.openxmlformats.org/markup-compatibility/2006" xmlns:p15="http://schemas.microsoft.com/office/powerpoint/2012/main">
+    <mc:Choice Requires="p15">
+      <p:transition xmlns:p14="http://schemas.microsoft.com/office/powerpoint/2010/main" spd="slow" p14:dur="1250">
+        <p15:prstTrans prst="peelOff"/>
+      </p:transition>
+    </mc:Choice>
+    <mc:Fallback xmlns="">
+      <p:transition spd="slow">
+        <p:fade/>
+      </p:transition>
+    </mc:Fallback>
+  </mc:AlternateContent>
 </p:sld>
 </file>
 
@@ -15704,7 +15034,7 @@
               <a:rPr lang="en-US" dirty="0">
                 <a:latin typeface="Garamond" panose="02020404030301010803" pitchFamily="18" charset="0"/>
               </a:rPr>
-              <a:t>Thirty-six model runs on three separate datasets </a:t>
+              <a:t>Thirty-three model runs on three separate datasets </a:t>
             </a:r>
           </a:p>
           <a:p>
@@ -15725,7 +15055,7 @@
               <a:rPr lang="en-US" dirty="0">
                 <a:latin typeface="Garamond" panose="02020404030301010803" pitchFamily="18" charset="0"/>
               </a:rPr>
-              <a:t>Eight classification models and four regression models </a:t>
+              <a:t>Seven classification models and four regression models </a:t>
             </a:r>
           </a:p>
           <a:p>
@@ -15826,6 +15156,18 @@
   <p:clrMapOvr>
     <a:masterClrMapping/>
   </p:clrMapOvr>
+  <mc:AlternateContent xmlns:mc="http://schemas.openxmlformats.org/markup-compatibility/2006" xmlns:p15="http://schemas.microsoft.com/office/powerpoint/2012/main">
+    <mc:Choice Requires="p15">
+      <p:transition xmlns:p14="http://schemas.microsoft.com/office/powerpoint/2010/main" spd="slow" p14:dur="1250">
+        <p15:prstTrans prst="pageCurlDouble"/>
+      </p:transition>
+    </mc:Choice>
+    <mc:Fallback xmlns="">
+      <p:transition spd="slow">
+        <p:fade/>
+      </p:transition>
+    </mc:Fallback>
+  </mc:AlternateContent>
 </p:sld>
 </file>
 
@@ -16285,6 +15627,18 @@
   <p:clrMapOvr>
     <a:masterClrMapping/>
   </p:clrMapOvr>
+  <mc:AlternateContent xmlns:mc="http://schemas.openxmlformats.org/markup-compatibility/2006" xmlns:p15="http://schemas.microsoft.com/office/powerpoint/2012/main">
+    <mc:Choice Requires="p15">
+      <p:transition xmlns:p14="http://schemas.microsoft.com/office/powerpoint/2010/main" spd="slow" p14:dur="1250">
+        <p15:prstTrans prst="peelOff"/>
+      </p:transition>
+    </mc:Choice>
+    <mc:Fallback xmlns="">
+      <p:transition spd="slow">
+        <p:fade/>
+      </p:transition>
+    </mc:Fallback>
+  </mc:AlternateContent>
 </p:sld>
 </file>
 
@@ -16382,11 +15736,15 @@
           <a:p>
             <a:r>
               <a:rPr lang="en-US" sz="1600" b="0" dirty="0"/>
-              <a:t>We ran a on the </a:t>
+              <a:t>We ran a </a:t>
             </a:r>
             <a:r>
               <a:rPr lang="en-US" sz="1600" b="0" u="sng" dirty="0"/>
-              <a:t>10 folds cross validation </a:t>
+              <a:t>10 folds cross </a:t>
+            </a:r>
+            <a:r>
+              <a:rPr lang="en-US" sz="1600" b="0" dirty="0"/>
+              <a:t>validation on the </a:t>
             </a:r>
             <a:r>
               <a:rPr lang="en-US" sz="1600" dirty="0"/>
@@ -16433,7 +15791,7 @@
             </a:r>
             <a:r>
               <a:rPr lang="en-US" sz="1600" b="0" dirty="0"/>
-              <a:t> to ensure their consistency to ensure the model was not overfitting </a:t>
+              <a:t> to ensure their consistency, thus that the model was not overfitting </a:t>
             </a:r>
           </a:p>
           <a:p>
@@ -16442,7 +15800,7 @@
           <a:p>
             <a:r>
               <a:rPr lang="en-US" sz="1600" b="0" dirty="0"/>
-              <a:t>We concluded based on the differences between 10-fold CV mean scores and related standard deviations that </a:t>
+              <a:t>We concluded, based on the differences between 10-fold CV mean scores, and the related standard deviations that </a:t>
             </a:r>
             <a:r>
               <a:rPr lang="en-US" sz="1600" dirty="0"/>
@@ -16638,6 +15996,18 @@
   <p:clrMapOvr>
     <a:masterClrMapping/>
   </p:clrMapOvr>
+  <mc:AlternateContent xmlns:mc="http://schemas.openxmlformats.org/markup-compatibility/2006" xmlns:p15="http://schemas.microsoft.com/office/powerpoint/2012/main">
+    <mc:Choice Requires="p15">
+      <p:transition xmlns:p14="http://schemas.microsoft.com/office/powerpoint/2010/main" spd="slow" p14:dur="1250">
+        <p15:prstTrans prst="peelOff"/>
+      </p:transition>
+    </mc:Choice>
+    <mc:Fallback xmlns="">
+      <p:transition spd="slow">
+        <p:fade/>
+      </p:transition>
+    </mc:Fallback>
+  </mc:AlternateContent>
 </p:sld>
 </file>
 
@@ -17068,6 +16438,18 @@
   <p:clrMapOvr>
     <a:masterClrMapping/>
   </p:clrMapOvr>
+  <mc:AlternateContent xmlns:mc="http://schemas.openxmlformats.org/markup-compatibility/2006" xmlns:p15="http://schemas.microsoft.com/office/powerpoint/2012/main">
+    <mc:Choice Requires="p15">
+      <p:transition xmlns:p14="http://schemas.microsoft.com/office/powerpoint/2010/main" spd="slow" p14:dur="1250">
+        <p15:prstTrans prst="peelOff"/>
+      </p:transition>
+    </mc:Choice>
+    <mc:Fallback xmlns="">
+      <p:transition spd="slow">
+        <p:fade/>
+      </p:transition>
+    </mc:Fallback>
+  </mc:AlternateContent>
 </p:sld>
 </file>
 
@@ -17227,7 +16609,7 @@
         <p:spPr>
           <a:xfrm>
             <a:off x="7209692" y="1577470"/>
-            <a:ext cx="4020737" cy="2954655"/>
+            <a:ext cx="4020737" cy="2708434"/>
           </a:xfrm>
           <a:prstGeom prst="rect">
             <a:avLst/>
@@ -17324,11 +16706,11 @@
             </a:r>
             <a:r>
               <a:rPr lang="en-US" sz="1600" dirty="0"/>
-              <a:t>reasonably good classification </a:t>
+              <a:t>reasonably good classification ability </a:t>
             </a:r>
             <a:r>
               <a:rPr lang="en-US" sz="1600" b="0" dirty="0"/>
-              <a:t>ability based on the value probability of correct classification of 85% shown in the ROC AUC plot</a:t>
+              <a:t>based on 85% probability of correct classification shown in the ROC AUC plot</a:t>
             </a:r>
           </a:p>
           <a:p>
@@ -17392,6 +16774,18 @@
   <p:clrMapOvr>
     <a:masterClrMapping/>
   </p:clrMapOvr>
+  <mc:AlternateContent xmlns:mc="http://schemas.openxmlformats.org/markup-compatibility/2006" xmlns:p15="http://schemas.microsoft.com/office/powerpoint/2012/main">
+    <mc:Choice Requires="p15">
+      <p:transition xmlns:p14="http://schemas.microsoft.com/office/powerpoint/2010/main" spd="slow" p14:dur="1250">
+        <p15:prstTrans prst="peelOff"/>
+      </p:transition>
+    </mc:Choice>
+    <mc:Fallback xmlns="">
+      <p:transition spd="slow">
+        <p:fade/>
+      </p:transition>
+    </mc:Fallback>
+  </mc:AlternateContent>
 </p:sld>
 </file>
 
@@ -18307,6 +17701,18 @@
   <p:clrMapOvr>
     <a:masterClrMapping/>
   </p:clrMapOvr>
+  <mc:AlternateContent xmlns:mc="http://schemas.openxmlformats.org/markup-compatibility/2006" xmlns:p15="http://schemas.microsoft.com/office/powerpoint/2012/main">
+    <mc:Choice Requires="p15">
+      <p:transition xmlns:p14="http://schemas.microsoft.com/office/powerpoint/2010/main" spd="slow" p14:dur="1250">
+        <p15:prstTrans prst="pageCurlDouble"/>
+      </p:transition>
+    </mc:Choice>
+    <mc:Fallback xmlns="">
+      <p:transition spd="slow">
+        <p:fade/>
+      </p:transition>
+    </mc:Fallback>
+  </mc:AlternateContent>
 </p:sld>
 </file>
 
@@ -18468,9 +17874,7 @@
             </a:extLst>
           </p:cNvPr>
           <p:cNvGraphicFramePr/>
-          <p:nvPr>
-            <p:extLst/>
-          </p:nvPr>
+          <p:nvPr/>
         </p:nvGraphicFramePr>
         <p:xfrm>
           <a:off x="994574" y="2979403"/>
@@ -18802,6 +18206,18 @@
   <p:clrMapOvr>
     <a:masterClrMapping/>
   </p:clrMapOvr>
+  <mc:AlternateContent xmlns:mc="http://schemas.openxmlformats.org/markup-compatibility/2006" xmlns:p15="http://schemas.microsoft.com/office/powerpoint/2012/main">
+    <mc:Choice Requires="p15">
+      <p:transition xmlns:p14="http://schemas.microsoft.com/office/powerpoint/2010/main" spd="slow" p14:dur="1250">
+        <p15:prstTrans prst="pageCurlDouble"/>
+      </p:transition>
+    </mc:Choice>
+    <mc:Fallback xmlns="">
+      <p:transition spd="slow">
+        <p:fade/>
+      </p:transition>
+    </mc:Fallback>
+  </mc:AlternateContent>
 </p:sld>
 </file>
 
@@ -18929,7 +18345,7 @@
         <p:spPr>
           <a:xfrm>
             <a:off x="865367" y="1111788"/>
-            <a:ext cx="9701916" cy="4031873"/>
+            <a:ext cx="9701916" cy="4278094"/>
           </a:xfrm>
           <a:prstGeom prst="rect">
             <a:avLst/>
@@ -18997,7 +18413,7 @@
             </a:r>
             <a:r>
               <a:rPr lang="en-US" sz="1600" dirty="0"/>
-              <a:t>Random Forest Classification and Regression models resulted in over fitting. Model parameters were adjusted to ensure the difference in accuracy between testing and training cross validation was insignificant. </a:t>
+              <a:t>Random Forest Classification and some Regression models resulted in over fitting. While we adjusted the models parameters to ensure the difference in accuracy between testing and training cross validation was insignificant, we ultimately selected a classification model that was not overfitting. </a:t>
             </a:r>
           </a:p>
           <a:p>
@@ -19085,6 +18501,18 @@
   <p:clrMapOvr>
     <a:masterClrMapping/>
   </p:clrMapOvr>
+  <mc:AlternateContent xmlns:mc="http://schemas.openxmlformats.org/markup-compatibility/2006" xmlns:p15="http://schemas.microsoft.com/office/powerpoint/2012/main">
+    <mc:Choice Requires="p15">
+      <p:transition xmlns:p14="http://schemas.microsoft.com/office/powerpoint/2010/main" spd="slow" p14:dur="1250">
+        <p15:prstTrans prst="peelOff"/>
+      </p:transition>
+    </mc:Choice>
+    <mc:Fallback xmlns="">
+      <p:transition spd="slow">
+        <p:fade/>
+      </p:transition>
+    </mc:Fallback>
+  </mc:AlternateContent>
 </p:sld>
 </file>
 
@@ -19650,6 +19078,18 @@
   <p:clrMapOvr>
     <a:masterClrMapping/>
   </p:clrMapOvr>
+  <mc:AlternateContent xmlns:mc="http://schemas.openxmlformats.org/markup-compatibility/2006" xmlns:p14="http://schemas.microsoft.com/office/powerpoint/2010/main">
+    <mc:Choice Requires="p14">
+      <p:transition spd="slow" p14:dur="2500">
+        <p:checker/>
+      </p:transition>
+    </mc:Choice>
+    <mc:Fallback xmlns="">
+      <p:transition spd="slow">
+        <p:checker/>
+      </p:transition>
+    </mc:Fallback>
+  </mc:AlternateContent>
 </p:sld>
 </file>
 
@@ -24555,6 +23995,18 @@
   <p:clrMapOvr>
     <a:masterClrMapping/>
   </p:clrMapOvr>
+  <mc:AlternateContent xmlns:mc="http://schemas.openxmlformats.org/markup-compatibility/2006" xmlns:p15="http://schemas.microsoft.com/office/powerpoint/2012/main">
+    <mc:Choice Requires="p15">
+      <p:transition xmlns:p14="http://schemas.microsoft.com/office/powerpoint/2010/main" spd="slow" p14:dur="1250">
+        <p15:prstTrans prst="pageCurlDouble"/>
+      </p:transition>
+    </mc:Choice>
+    <mc:Fallback xmlns="">
+      <p:transition spd="slow">
+        <p:fade/>
+      </p:transition>
+    </mc:Fallback>
+  </mc:AlternateContent>
 </p:sld>
 </file>
 
@@ -24803,6 +24255,18 @@
   <p:clrMapOvr>
     <a:masterClrMapping/>
   </p:clrMapOvr>
+  <mc:AlternateContent xmlns:mc="http://schemas.openxmlformats.org/markup-compatibility/2006" xmlns:p15="http://schemas.microsoft.com/office/powerpoint/2012/main">
+    <mc:Choice Requires="p15">
+      <p:transition xmlns:p14="http://schemas.microsoft.com/office/powerpoint/2010/main" spd="slow" p14:dur="1250">
+        <p15:prstTrans prst="peelOff"/>
+      </p:transition>
+    </mc:Choice>
+    <mc:Fallback xmlns="">
+      <p:transition spd="slow">
+        <p:fade/>
+      </p:transition>
+    </mc:Fallback>
+  </mc:AlternateContent>
 </p:sld>
 </file>
 
@@ -26862,6 +26326,18 @@
   <p:clrMapOvr>
     <a:masterClrMapping/>
   </p:clrMapOvr>
+  <mc:AlternateContent xmlns:mc="http://schemas.openxmlformats.org/markup-compatibility/2006" xmlns:p15="http://schemas.microsoft.com/office/powerpoint/2012/main">
+    <mc:Choice Requires="p15">
+      <p:transition xmlns:p14="http://schemas.microsoft.com/office/powerpoint/2010/main" spd="slow" p14:dur="1250">
+        <p15:prstTrans prst="peelOff"/>
+      </p:transition>
+    </mc:Choice>
+    <mc:Fallback xmlns="">
+      <p:transition spd="slow">
+        <p:fade/>
+      </p:transition>
+    </mc:Fallback>
+  </mc:AlternateContent>
 </p:sld>
 </file>
 
@@ -27115,6 +26591,18 @@
   <p:clrMapOvr>
     <a:masterClrMapping/>
   </p:clrMapOvr>
+  <mc:AlternateContent xmlns:mc="http://schemas.openxmlformats.org/markup-compatibility/2006" xmlns:p15="http://schemas.microsoft.com/office/powerpoint/2012/main">
+    <mc:Choice Requires="p15">
+      <p:transition xmlns:p14="http://schemas.microsoft.com/office/powerpoint/2010/main" spd="slow" p14:dur="1250">
+        <p15:prstTrans prst="peelOff"/>
+      </p:transition>
+    </mc:Choice>
+    <mc:Fallback xmlns="">
+      <p:transition spd="slow">
+        <p:fade/>
+      </p:transition>
+    </mc:Fallback>
+  </mc:AlternateContent>
 </p:sld>
 </file>
 
